--- a/ppt/03-31.pptx
+++ b/ppt/03-31.pptx
@@ -9,6 +9,7 @@
     <p:sldId id="258" r:id="rId3"/>
     <p:sldId id="259" r:id="rId4"/>
     <p:sldId id="260" r:id="rId5"/>
+    <p:sldId id="261" r:id="rId6"/>
   </p:sldIdLst>
   <p:sldSz cx="12192000" cy="6858000"/>
   <p:notesSz cx="6858000" cy="9144000"/>
@@ -3717,8 +3718,8 @@
         </p:nvSpPr>
         <p:spPr>
           <a:xfrm>
-            <a:off x="5113495" y="3317624"/>
-            <a:ext cx="3991798" cy="307777"/>
+            <a:off x="3711063" y="3317655"/>
+            <a:ext cx="902811" cy="307777"/>
           </a:xfrm>
           <a:prstGeom prst="rect">
             <a:avLst/>
@@ -3733,15 +3734,7 @@
           <a:p>
             <a:r>
               <a:rPr lang="ko-KR" altLang="en-US" sz="1400" dirty="0" err="1" smtClean="0"/>
-              <a:t>이런식으로</a:t>
-            </a:r>
-            <a:r>
-              <a:rPr lang="ko-KR" altLang="en-US" sz="1400" dirty="0" smtClean="0"/>
-              <a:t> 제목 삭제하고 탭 넣는게 맞는지요</a:t>
-            </a:r>
-            <a:r>
-              <a:rPr lang="en-US" altLang="ko-KR" sz="1400" dirty="0" smtClean="0"/>
-              <a:t>?</a:t>
+              <a:t>라인추가</a:t>
             </a:r>
             <a:endParaRPr lang="ko-KR" altLang="en-US" sz="1400" dirty="0"/>
           </a:p>
@@ -3779,7 +3772,7 @@
       </p:sp>
       <p:pic>
         <p:nvPicPr>
-          <p:cNvPr id="2" name="그림 1"/>
+          <p:cNvPr id="3" name="그림 2"/>
           <p:cNvPicPr>
             <a:picLocks noChangeAspect="1"/>
           </p:cNvPicPr>
@@ -3793,18 +3786,484 @@
         </p:blipFill>
         <p:spPr>
           <a:xfrm>
-            <a:off x="487181" y="938976"/>
-            <a:ext cx="4172532" cy="5372850"/>
+            <a:off x="564353" y="682052"/>
+            <a:ext cx="2501136" cy="6076625"/>
           </a:xfrm>
           <a:prstGeom prst="rect">
             <a:avLst/>
           </a:prstGeom>
         </p:spPr>
       </p:pic>
+      <p:cxnSp>
+        <p:nvCxnSpPr>
+          <p:cNvPr id="11" name="직선 화살표 연결선 10"/>
+          <p:cNvCxnSpPr/>
+          <p:nvPr/>
+        </p:nvCxnSpPr>
+        <p:spPr>
+          <a:xfrm flipH="1" flipV="1">
+            <a:off x="2728210" y="3395272"/>
+            <a:ext cx="816964" cy="76271"/>
+          </a:xfrm>
+          <a:prstGeom prst="straightConnector1">
+            <a:avLst/>
+          </a:prstGeom>
+          <a:ln>
+            <a:tailEnd type="triangle"/>
+          </a:ln>
+        </p:spPr>
+        <p:style>
+          <a:lnRef idx="1">
+            <a:schemeClr val="accent1"/>
+          </a:lnRef>
+          <a:fillRef idx="0">
+            <a:schemeClr val="accent1"/>
+          </a:fillRef>
+          <a:effectRef idx="0">
+            <a:schemeClr val="accent1"/>
+          </a:effectRef>
+          <a:fontRef idx="minor">
+            <a:schemeClr val="tx1"/>
+          </a:fontRef>
+        </p:style>
+      </p:cxnSp>
+      <p:sp>
+        <p:nvSpPr>
+          <p:cNvPr id="13" name="TextBox 12"/>
+          <p:cNvSpPr txBox="1"/>
+          <p:nvPr/>
+        </p:nvSpPr>
+        <p:spPr>
+          <a:xfrm>
+            <a:off x="5713751" y="256426"/>
+            <a:ext cx="1503938" cy="307777"/>
+          </a:xfrm>
+          <a:prstGeom prst="rect">
+            <a:avLst/>
+          </a:prstGeom>
+          <a:noFill/>
+        </p:spPr>
+        <p:txBody>
+          <a:bodyPr wrap="none" rtlCol="0">
+            <a:spAutoFit/>
+          </a:bodyPr>
+          <a:lstStyle/>
+          <a:p>
+            <a:r>
+              <a:rPr lang="en-US" altLang="ko-KR" sz="1400" dirty="0"/>
+              <a:t>UI-SJN-23-002L</a:t>
+            </a:r>
+            <a:endParaRPr lang="ko-KR" altLang="en-US" sz="1400" dirty="0"/>
+          </a:p>
+        </p:txBody>
+      </p:sp>
+      <p:pic>
+        <p:nvPicPr>
+          <p:cNvPr id="15" name="그림 14"/>
+          <p:cNvPicPr>
+            <a:picLocks noChangeAspect="1"/>
+          </p:cNvPicPr>
+          <p:nvPr/>
+        </p:nvPicPr>
+        <p:blipFill>
+          <a:blip r:embed="rId3"/>
+          <a:stretch>
+            <a:fillRect/>
+          </a:stretch>
+        </p:blipFill>
+        <p:spPr>
+          <a:xfrm>
+            <a:off x="5808482" y="761194"/>
+            <a:ext cx="2698551" cy="5997483"/>
+          </a:xfrm>
+          <a:prstGeom prst="rect">
+            <a:avLst/>
+          </a:prstGeom>
+        </p:spPr>
+      </p:pic>
+      <p:sp>
+        <p:nvSpPr>
+          <p:cNvPr id="16" name="TextBox 15"/>
+          <p:cNvSpPr txBox="1"/>
+          <p:nvPr/>
+        </p:nvSpPr>
+        <p:spPr>
+          <a:xfrm>
+            <a:off x="9568607" y="3087495"/>
+            <a:ext cx="1324402" cy="307777"/>
+          </a:xfrm>
+          <a:prstGeom prst="rect">
+            <a:avLst/>
+          </a:prstGeom>
+          <a:noFill/>
+        </p:spPr>
+        <p:txBody>
+          <a:bodyPr wrap="none" rtlCol="0">
+            <a:spAutoFit/>
+          </a:bodyPr>
+          <a:lstStyle/>
+          <a:p>
+            <a:r>
+              <a:rPr lang="ko-KR" altLang="en-US" sz="1400" dirty="0" smtClean="0"/>
+              <a:t>얇은 </a:t>
+            </a:r>
+            <a:r>
+              <a:rPr lang="ko-KR" altLang="en-US" sz="1400" dirty="0" err="1" smtClean="0"/>
+              <a:t>라인추가</a:t>
+            </a:r>
+            <a:endParaRPr lang="ko-KR" altLang="en-US" sz="1400" dirty="0"/>
+          </a:p>
+        </p:txBody>
+      </p:sp>
+      <p:cxnSp>
+        <p:nvCxnSpPr>
+          <p:cNvPr id="17" name="직선 화살표 연결선 16"/>
+          <p:cNvCxnSpPr/>
+          <p:nvPr/>
+        </p:nvCxnSpPr>
+        <p:spPr>
+          <a:xfrm flipH="1" flipV="1">
+            <a:off x="8629338" y="3120453"/>
+            <a:ext cx="816964" cy="76271"/>
+          </a:xfrm>
+          <a:prstGeom prst="straightConnector1">
+            <a:avLst/>
+          </a:prstGeom>
+          <a:ln>
+            <a:tailEnd type="triangle"/>
+          </a:ln>
+        </p:spPr>
+        <p:style>
+          <a:lnRef idx="1">
+            <a:schemeClr val="accent1"/>
+          </a:lnRef>
+          <a:fillRef idx="0">
+            <a:schemeClr val="accent1"/>
+          </a:fillRef>
+          <a:effectRef idx="0">
+            <a:schemeClr val="accent1"/>
+          </a:effectRef>
+          <a:fontRef idx="minor">
+            <a:schemeClr val="tx1"/>
+          </a:fontRef>
+        </p:style>
+      </p:cxnSp>
+      <p:sp>
+        <p:nvSpPr>
+          <p:cNvPr id="18" name="TextBox 17"/>
+          <p:cNvSpPr txBox="1"/>
+          <p:nvPr/>
+        </p:nvSpPr>
+        <p:spPr>
+          <a:xfrm>
+            <a:off x="9568607" y="6125502"/>
+            <a:ext cx="2589170" cy="307777"/>
+          </a:xfrm>
+          <a:prstGeom prst="rect">
+            <a:avLst/>
+          </a:prstGeom>
+          <a:noFill/>
+        </p:spPr>
+        <p:txBody>
+          <a:bodyPr wrap="none" rtlCol="0">
+            <a:spAutoFit/>
+          </a:bodyPr>
+          <a:lstStyle/>
+          <a:p>
+            <a:r>
+              <a:rPr lang="ko-KR" altLang="en-US" sz="1400" dirty="0" smtClean="0"/>
+              <a:t>기존에 이미 두꺼운 라인 사용</a:t>
+            </a:r>
+            <a:endParaRPr lang="ko-KR" altLang="en-US" sz="1400" dirty="0"/>
+          </a:p>
+        </p:txBody>
+      </p:sp>
+      <p:cxnSp>
+        <p:nvCxnSpPr>
+          <p:cNvPr id="20" name="직선 화살표 연결선 19"/>
+          <p:cNvCxnSpPr/>
+          <p:nvPr/>
+        </p:nvCxnSpPr>
+        <p:spPr>
+          <a:xfrm flipH="1">
+            <a:off x="8629338" y="6279390"/>
+            <a:ext cx="642078" cy="0"/>
+          </a:xfrm>
+          <a:prstGeom prst="straightConnector1">
+            <a:avLst/>
+          </a:prstGeom>
+          <a:ln>
+            <a:tailEnd type="triangle"/>
+          </a:ln>
+        </p:spPr>
+        <p:style>
+          <a:lnRef idx="1">
+            <a:schemeClr val="accent1"/>
+          </a:lnRef>
+          <a:fillRef idx="0">
+            <a:schemeClr val="accent1"/>
+          </a:fillRef>
+          <a:effectRef idx="0">
+            <a:schemeClr val="accent1"/>
+          </a:effectRef>
+          <a:fontRef idx="minor">
+            <a:schemeClr val="tx1"/>
+          </a:fontRef>
+        </p:style>
+      </p:cxnSp>
     </p:spTree>
     <p:extLst>
       <p:ext uri="{BB962C8B-B14F-4D97-AF65-F5344CB8AC3E}">
         <p14:creationId xmlns:p14="http://schemas.microsoft.com/office/powerpoint/2010/main" val="2997371951"/>
+      </p:ext>
+    </p:extLst>
+  </p:cSld>
+  <p:clrMapOvr>
+    <a:masterClrMapping/>
+  </p:clrMapOvr>
+</p:sld>
+</file>
+
+<file path=ppt/slides/slide5.xml><?xml version="1.0" encoding="utf-8"?>
+<p:sld xmlns:a="http://schemas.openxmlformats.org/drawingml/2006/main" xmlns:r="http://schemas.openxmlformats.org/officeDocument/2006/relationships" xmlns:p="http://schemas.openxmlformats.org/presentationml/2006/main">
+  <p:cSld>
+    <p:spTree>
+      <p:nvGrpSpPr>
+        <p:cNvPr id="1" name=""/>
+        <p:cNvGrpSpPr/>
+        <p:nvPr/>
+      </p:nvGrpSpPr>
+      <p:grpSpPr>
+        <a:xfrm>
+          <a:off x="0" y="0"/>
+          <a:ext cx="0" cy="0"/>
+          <a:chOff x="0" y="0"/>
+          <a:chExt cx="0" cy="0"/>
+        </a:xfrm>
+      </p:grpSpPr>
+      <p:pic>
+        <p:nvPicPr>
+          <p:cNvPr id="21" name="그림 20"/>
+          <p:cNvPicPr>
+            <a:picLocks noChangeAspect="1"/>
+          </p:cNvPicPr>
+          <p:nvPr/>
+        </p:nvPicPr>
+        <p:blipFill>
+          <a:blip r:embed="rId2"/>
+          <a:stretch>
+            <a:fillRect/>
+          </a:stretch>
+        </p:blipFill>
+        <p:spPr>
+          <a:xfrm>
+            <a:off x="487181" y="1169097"/>
+            <a:ext cx="3391373" cy="2400635"/>
+          </a:xfrm>
+          <a:prstGeom prst="rect">
+            <a:avLst/>
+          </a:prstGeom>
+        </p:spPr>
+      </p:pic>
+      <p:sp>
+        <p:nvSpPr>
+          <p:cNvPr id="7" name="TextBox 6"/>
+          <p:cNvSpPr txBox="1"/>
+          <p:nvPr/>
+        </p:nvSpPr>
+        <p:spPr>
+          <a:xfrm>
+            <a:off x="487181" y="172386"/>
+            <a:ext cx="1872629" cy="369332"/>
+          </a:xfrm>
+          <a:prstGeom prst="rect">
+            <a:avLst/>
+          </a:prstGeom>
+          <a:noFill/>
+        </p:spPr>
+        <p:txBody>
+          <a:bodyPr wrap="none" rtlCol="0">
+            <a:spAutoFit/>
+          </a:bodyPr>
+          <a:lstStyle/>
+          <a:p>
+            <a:r>
+              <a:rPr lang="en-US" altLang="ko-KR" dirty="0"/>
+              <a:t>UI-SJN-40-004L</a:t>
+            </a:r>
+            <a:endParaRPr lang="ko-KR" altLang="en-US" dirty="0"/>
+          </a:p>
+        </p:txBody>
+      </p:sp>
+      <p:sp>
+        <p:nvSpPr>
+          <p:cNvPr id="14" name="TextBox 13"/>
+          <p:cNvSpPr txBox="1"/>
+          <p:nvPr/>
+        </p:nvSpPr>
+        <p:spPr>
+          <a:xfrm>
+            <a:off x="5076669" y="781986"/>
+            <a:ext cx="2204450" cy="369332"/>
+          </a:xfrm>
+          <a:prstGeom prst="rect">
+            <a:avLst/>
+          </a:prstGeom>
+          <a:noFill/>
+        </p:spPr>
+        <p:txBody>
+          <a:bodyPr wrap="none" rtlCol="0">
+            <a:spAutoFit/>
+          </a:bodyPr>
+          <a:lstStyle/>
+          <a:p>
+            <a:r>
+              <a:rPr lang="en-US" altLang="ko-KR" dirty="0"/>
+              <a:t>common_mapicons</a:t>
+            </a:r>
+            <a:endParaRPr lang="ko-KR" altLang="en-US" dirty="0"/>
+          </a:p>
+        </p:txBody>
+      </p:sp>
+      <p:pic>
+        <p:nvPicPr>
+          <p:cNvPr id="5" name="그림 4"/>
+          <p:cNvPicPr>
+            <a:picLocks noChangeAspect="1"/>
+          </p:cNvPicPr>
+          <p:nvPr/>
+        </p:nvPicPr>
+        <p:blipFill>
+          <a:blip r:embed="rId3"/>
+          <a:stretch>
+            <a:fillRect/>
+          </a:stretch>
+        </p:blipFill>
+        <p:spPr>
+          <a:xfrm>
+            <a:off x="5141003" y="1355954"/>
+            <a:ext cx="4458322" cy="1552792"/>
+          </a:xfrm>
+          <a:prstGeom prst="rect">
+            <a:avLst/>
+          </a:prstGeom>
+        </p:spPr>
+      </p:pic>
+      <p:pic>
+        <p:nvPicPr>
+          <p:cNvPr id="8" name="그림 7"/>
+          <p:cNvPicPr>
+            <a:picLocks noChangeAspect="1"/>
+          </p:cNvPicPr>
+          <p:nvPr/>
+        </p:nvPicPr>
+        <p:blipFill>
+          <a:blip r:embed="rId4"/>
+          <a:stretch>
+            <a:fillRect/>
+          </a:stretch>
+        </p:blipFill>
+        <p:spPr>
+          <a:xfrm>
+            <a:off x="5006714" y="5299904"/>
+            <a:ext cx="6754168" cy="800212"/>
+          </a:xfrm>
+          <a:prstGeom prst="rect">
+            <a:avLst/>
+          </a:prstGeom>
+        </p:spPr>
+      </p:pic>
+      <p:pic>
+        <p:nvPicPr>
+          <p:cNvPr id="15" name="그림 14"/>
+          <p:cNvPicPr>
+            <a:picLocks noChangeAspect="1"/>
+          </p:cNvPicPr>
+          <p:nvPr/>
+        </p:nvPicPr>
+        <p:blipFill>
+          <a:blip r:embed="rId5"/>
+          <a:stretch>
+            <a:fillRect/>
+          </a:stretch>
+        </p:blipFill>
+        <p:spPr>
+          <a:xfrm>
+            <a:off x="4974235" y="3606553"/>
+            <a:ext cx="6725589" cy="657317"/>
+          </a:xfrm>
+          <a:prstGeom prst="rect">
+            <a:avLst/>
+          </a:prstGeom>
+        </p:spPr>
+      </p:pic>
+      <p:cxnSp>
+        <p:nvCxnSpPr>
+          <p:cNvPr id="17" name="직선 화살표 연결선 16"/>
+          <p:cNvCxnSpPr/>
+          <p:nvPr/>
+        </p:nvCxnSpPr>
+        <p:spPr>
+          <a:xfrm>
+            <a:off x="7832361" y="4444583"/>
+            <a:ext cx="0" cy="614596"/>
+          </a:xfrm>
+          <a:prstGeom prst="straightConnector1">
+            <a:avLst/>
+          </a:prstGeom>
+          <a:ln>
+            <a:tailEnd type="triangle"/>
+          </a:ln>
+        </p:spPr>
+        <p:style>
+          <a:lnRef idx="1">
+            <a:schemeClr val="accent1"/>
+          </a:lnRef>
+          <a:fillRef idx="0">
+            <a:schemeClr val="accent1"/>
+          </a:fillRef>
+          <a:effectRef idx="0">
+            <a:schemeClr val="accent1"/>
+          </a:effectRef>
+          <a:fontRef idx="minor">
+            <a:schemeClr val="tx1"/>
+          </a:fontRef>
+        </p:style>
+      </p:cxnSp>
+      <p:sp>
+        <p:nvSpPr>
+          <p:cNvPr id="18" name="TextBox 17"/>
+          <p:cNvSpPr txBox="1"/>
+          <p:nvPr/>
+        </p:nvSpPr>
+        <p:spPr>
+          <a:xfrm>
+            <a:off x="8060632" y="4612185"/>
+            <a:ext cx="543739" cy="307777"/>
+          </a:xfrm>
+          <a:prstGeom prst="rect">
+            <a:avLst/>
+          </a:prstGeom>
+          <a:noFill/>
+        </p:spPr>
+        <p:txBody>
+          <a:bodyPr wrap="none" rtlCol="0">
+            <a:spAutoFit/>
+          </a:bodyPr>
+          <a:lstStyle/>
+          <a:p>
+            <a:r>
+              <a:rPr lang="ko-KR" altLang="en-US" sz="1400" dirty="0" smtClean="0"/>
+              <a:t>변경</a:t>
+            </a:r>
+            <a:endParaRPr lang="ko-KR" altLang="en-US" sz="1400" dirty="0"/>
+          </a:p>
+        </p:txBody>
+      </p:sp>
+    </p:spTree>
+    <p:extLst>
+      <p:ext uri="{BB962C8B-B14F-4D97-AF65-F5344CB8AC3E}">
+        <p14:creationId xmlns:p14="http://schemas.microsoft.com/office/powerpoint/2010/main" val="1965275291"/>
       </p:ext>
     </p:extLst>
   </p:cSld>
